--- a/Arquitetura-de-TI/HLD-LLD.pptx
+++ b/Arquitetura-de-TI/HLD-LLD.pptx
@@ -8,7 +8,8 @@
   <p:sldIdLst>
     <p:sldId id="256" r:id="rId3"/>
     <p:sldId id="258" r:id="rId4"/>
-    <p:sldId id="257" r:id="rId5"/>
+    <p:sldId id="259" r:id="rId5"/>
+    <p:sldId id="257" r:id="rId6"/>
   </p:sldIdLst>
   <p:sldSz cx="12192000" cy="6858000"/>
   <p:notesSz cx="6858000" cy="9144000"/>
@@ -257,7 +258,7 @@
           <a:p>
             <a:fld id="{82869B3E-A76A-4689-B656-33BE798491C8}" type="datetimeFigureOut">
               <a:rPr lang="pt-BR" smtClean="0"/>
-              <a:t>19/09/2019</a:t>
+              <a:t>26/09/2019</a:t>
             </a:fld>
             <a:endParaRPr lang="pt-BR"/>
           </a:p>
@@ -427,7 +428,7 @@
           <a:p>
             <a:fld id="{82869B3E-A76A-4689-B656-33BE798491C8}" type="datetimeFigureOut">
               <a:rPr lang="pt-BR" smtClean="0"/>
-              <a:t>19/09/2019</a:t>
+              <a:t>26/09/2019</a:t>
             </a:fld>
             <a:endParaRPr lang="pt-BR"/>
           </a:p>
@@ -607,7 +608,7 @@
           <a:p>
             <a:fld id="{82869B3E-A76A-4689-B656-33BE798491C8}" type="datetimeFigureOut">
               <a:rPr lang="pt-BR" smtClean="0"/>
-              <a:t>19/09/2019</a:t>
+              <a:t>26/09/2019</a:t>
             </a:fld>
             <a:endParaRPr lang="pt-BR"/>
           </a:p>
@@ -1413,7 +1414,7 @@
           <a:p>
             <a:fld id="{82869B3E-A76A-4689-B656-33BE798491C8}" type="datetimeFigureOut">
               <a:rPr lang="pt-BR" smtClean="0"/>
-              <a:t>19/09/2019</a:t>
+              <a:t>26/09/2019</a:t>
             </a:fld>
             <a:endParaRPr lang="pt-BR"/>
           </a:p>
@@ -1583,7 +1584,7 @@
           <a:p>
             <a:fld id="{82869B3E-A76A-4689-B656-33BE798491C8}" type="datetimeFigureOut">
               <a:rPr lang="pt-BR" smtClean="0"/>
-              <a:t>19/09/2019</a:t>
+              <a:t>26/09/2019</a:t>
             </a:fld>
             <a:endParaRPr lang="pt-BR"/>
           </a:p>
@@ -1830,7 +1831,7 @@
           <a:p>
             <a:fld id="{82869B3E-A76A-4689-B656-33BE798491C8}" type="datetimeFigureOut">
               <a:rPr lang="pt-BR" smtClean="0"/>
-              <a:t>19/09/2019</a:t>
+              <a:t>26/09/2019</a:t>
             </a:fld>
             <a:endParaRPr lang="pt-BR"/>
           </a:p>
@@ -2062,7 +2063,7 @@
           <a:p>
             <a:fld id="{82869B3E-A76A-4689-B656-33BE798491C8}" type="datetimeFigureOut">
               <a:rPr lang="pt-BR" smtClean="0"/>
-              <a:t>19/09/2019</a:t>
+              <a:t>26/09/2019</a:t>
             </a:fld>
             <a:endParaRPr lang="pt-BR"/>
           </a:p>
@@ -2436,7 +2437,7 @@
           <a:p>
             <a:fld id="{82869B3E-A76A-4689-B656-33BE798491C8}" type="datetimeFigureOut">
               <a:rPr lang="pt-BR" smtClean="0"/>
-              <a:t>19/09/2019</a:t>
+              <a:t>26/09/2019</a:t>
             </a:fld>
             <a:endParaRPr lang="pt-BR"/>
           </a:p>
@@ -2559,7 +2560,7 @@
           <a:p>
             <a:fld id="{82869B3E-A76A-4689-B656-33BE798491C8}" type="datetimeFigureOut">
               <a:rPr lang="pt-BR" smtClean="0"/>
-              <a:t>19/09/2019</a:t>
+              <a:t>26/09/2019</a:t>
             </a:fld>
             <a:endParaRPr lang="pt-BR"/>
           </a:p>
@@ -2654,7 +2655,7 @@
           <a:p>
             <a:fld id="{82869B3E-A76A-4689-B656-33BE798491C8}" type="datetimeFigureOut">
               <a:rPr lang="pt-BR" smtClean="0"/>
-              <a:t>19/09/2019</a:t>
+              <a:t>26/09/2019</a:t>
             </a:fld>
             <a:endParaRPr lang="pt-BR"/>
           </a:p>
@@ -2909,7 +2910,7 @@
           <a:p>
             <a:fld id="{82869B3E-A76A-4689-B656-33BE798491C8}" type="datetimeFigureOut">
               <a:rPr lang="pt-BR" smtClean="0"/>
-              <a:t>19/09/2019</a:t>
+              <a:t>26/09/2019</a:t>
             </a:fld>
             <a:endParaRPr lang="pt-BR"/>
           </a:p>
@@ -3079,7 +3080,7 @@
           <a:p>
             <a:fld id="{82869B3E-A76A-4689-B656-33BE798491C8}" type="datetimeFigureOut">
               <a:rPr lang="pt-BR" smtClean="0"/>
-              <a:t>19/09/2019</a:t>
+              <a:t>26/09/2019</a:t>
             </a:fld>
             <a:endParaRPr lang="pt-BR"/>
           </a:p>
@@ -3384,7 +3385,7 @@
           <a:p>
             <a:fld id="{82869B3E-A76A-4689-B656-33BE798491C8}" type="datetimeFigureOut">
               <a:rPr lang="pt-BR" smtClean="0"/>
-              <a:t>19/09/2019</a:t>
+              <a:t>26/09/2019</a:t>
             </a:fld>
             <a:endParaRPr lang="pt-BR"/>
           </a:p>
@@ -3593,7 +3594,7 @@
           <a:p>
             <a:fld id="{82869B3E-A76A-4689-B656-33BE798491C8}" type="datetimeFigureOut">
               <a:rPr lang="pt-BR" smtClean="0"/>
-              <a:t>19/09/2019</a:t>
+              <a:t>26/09/2019</a:t>
             </a:fld>
             <a:endParaRPr lang="pt-BR"/>
           </a:p>
@@ -3907,7 +3908,7 @@
           <a:p>
             <a:fld id="{82869B3E-A76A-4689-B656-33BE798491C8}" type="datetimeFigureOut">
               <a:rPr lang="pt-BR" smtClean="0"/>
-              <a:t>19/09/2019</a:t>
+              <a:t>26/09/2019</a:t>
             </a:fld>
             <a:endParaRPr lang="pt-BR"/>
           </a:p>
@@ -4240,7 +4241,7 @@
           <a:p>
             <a:fld id="{82869B3E-A76A-4689-B656-33BE798491C8}" type="datetimeFigureOut">
               <a:rPr lang="pt-BR" smtClean="0"/>
-              <a:t>19/09/2019</a:t>
+              <a:t>26/09/2019</a:t>
             </a:fld>
             <a:endParaRPr lang="pt-BR"/>
           </a:p>
@@ -4554,7 +4555,7 @@
           <a:p>
             <a:fld id="{82869B3E-A76A-4689-B656-33BE798491C8}" type="datetimeFigureOut">
               <a:rPr lang="pt-BR" smtClean="0"/>
-              <a:t>19/09/2019</a:t>
+              <a:t>26/09/2019</a:t>
             </a:fld>
             <a:endParaRPr lang="pt-BR"/>
           </a:p>
@@ -4947,7 +4948,7 @@
           <a:p>
             <a:fld id="{82869B3E-A76A-4689-B656-33BE798491C8}" type="datetimeFigureOut">
               <a:rPr lang="pt-BR" smtClean="0"/>
-              <a:t>19/09/2019</a:t>
+              <a:t>26/09/2019</a:t>
             </a:fld>
             <a:endParaRPr lang="pt-BR"/>
           </a:p>
@@ -5117,7 +5118,7 @@
           <a:p>
             <a:fld id="{82869B3E-A76A-4689-B656-33BE798491C8}" type="datetimeFigureOut">
               <a:rPr lang="pt-BR" smtClean="0"/>
-              <a:t>19/09/2019</a:t>
+              <a:t>26/09/2019</a:t>
             </a:fld>
             <a:endParaRPr lang="pt-BR"/>
           </a:p>
@@ -5297,7 +5298,7 @@
           <a:p>
             <a:fld id="{82869B3E-A76A-4689-B656-33BE798491C8}" type="datetimeFigureOut">
               <a:rPr lang="pt-BR" smtClean="0"/>
-              <a:t>19/09/2019</a:t>
+              <a:t>26/09/2019</a:t>
             </a:fld>
             <a:endParaRPr lang="pt-BR"/>
           </a:p>
@@ -5548,7 +5549,7 @@
           <a:p>
             <a:fld id="{82869B3E-A76A-4689-B656-33BE798491C8}" type="datetimeFigureOut">
               <a:rPr lang="pt-BR" smtClean="0"/>
-              <a:t>19/09/2019</a:t>
+              <a:t>26/09/2019</a:t>
             </a:fld>
             <a:endParaRPr lang="pt-BR"/>
           </a:p>
@@ -5780,7 +5781,7 @@
           <a:p>
             <a:fld id="{82869B3E-A76A-4689-B656-33BE798491C8}" type="datetimeFigureOut">
               <a:rPr lang="pt-BR" smtClean="0"/>
-              <a:t>19/09/2019</a:t>
+              <a:t>26/09/2019</a:t>
             </a:fld>
             <a:endParaRPr lang="pt-BR"/>
           </a:p>
@@ -6127,7 +6128,7 @@
           <a:p>
             <a:fld id="{82869B3E-A76A-4689-B656-33BE798491C8}" type="datetimeFigureOut">
               <a:rPr lang="pt-BR" smtClean="0"/>
-              <a:t>19/09/2019</a:t>
+              <a:t>26/09/2019</a:t>
             </a:fld>
             <a:endParaRPr lang="pt-BR"/>
           </a:p>
@@ -6245,7 +6246,7 @@
           <a:p>
             <a:fld id="{82869B3E-A76A-4689-B656-33BE798491C8}" type="datetimeFigureOut">
               <a:rPr lang="pt-BR" smtClean="0"/>
-              <a:t>19/09/2019</a:t>
+              <a:t>26/09/2019</a:t>
             </a:fld>
             <a:endParaRPr lang="pt-BR"/>
           </a:p>
@@ -6363,7 +6364,7 @@
           <a:p>
             <a:fld id="{82869B3E-A76A-4689-B656-33BE798491C8}" type="datetimeFigureOut">
               <a:rPr lang="pt-BR" smtClean="0"/>
-              <a:t>19/09/2019</a:t>
+              <a:t>26/09/2019</a:t>
             </a:fld>
             <a:endParaRPr lang="pt-BR"/>
           </a:p>
@@ -6647,7 +6648,7 @@
           <a:p>
             <a:fld id="{82869B3E-A76A-4689-B656-33BE798491C8}" type="datetimeFigureOut">
               <a:rPr lang="pt-BR" smtClean="0"/>
-              <a:t>19/09/2019</a:t>
+              <a:t>26/09/2019</a:t>
             </a:fld>
             <a:endParaRPr lang="pt-BR"/>
           </a:p>
@@ -6911,7 +6912,7 @@
           <a:p>
             <a:fld id="{82869B3E-A76A-4689-B656-33BE798491C8}" type="datetimeFigureOut">
               <a:rPr lang="pt-BR" smtClean="0"/>
-              <a:t>19/09/2019</a:t>
+              <a:t>26/09/2019</a:t>
             </a:fld>
             <a:endParaRPr lang="pt-BR"/>
           </a:p>
@@ -7148,7 +7149,7 @@
           <a:p>
             <a:fld id="{82869B3E-A76A-4689-B656-33BE798491C8}" type="datetimeFigureOut">
               <a:rPr lang="pt-BR" smtClean="0"/>
-              <a:t>19/09/2019</a:t>
+              <a:t>26/09/2019</a:t>
             </a:fld>
             <a:endParaRPr lang="pt-BR"/>
           </a:p>
@@ -8208,7 +8209,7 @@
           <a:p>
             <a:fld id="{82869B3E-A76A-4689-B656-33BE798491C8}" type="datetimeFigureOut">
               <a:rPr lang="pt-BR" smtClean="0"/>
-              <a:t>19/09/2019</a:t>
+              <a:t>26/09/2019</a:t>
             </a:fld>
             <a:endParaRPr lang="pt-BR"/>
           </a:p>
@@ -9528,6 +9529,274 @@
 </file>
 
 <file path=ppt/slides/slide3.xml><?xml version="1.0" encoding="utf-8"?>
+<p:sld xmlns:a="http://schemas.openxmlformats.org/drawingml/2006/main" xmlns:r="http://schemas.openxmlformats.org/officeDocument/2006/relationships" xmlns:p="http://schemas.openxmlformats.org/presentationml/2006/main">
+  <p:cSld>
+    <p:spTree>
+      <p:nvGrpSpPr>
+        <p:cNvPr id="1" name=""/>
+        <p:cNvGrpSpPr/>
+        <p:nvPr/>
+      </p:nvGrpSpPr>
+      <p:grpSpPr>
+        <a:xfrm>
+          <a:off x="0" y="0"/>
+          <a:ext cx="0" cy="0"/>
+          <a:chOff x="0" y="0"/>
+          <a:chExt cx="0" cy="0"/>
+        </a:xfrm>
+      </p:grpSpPr>
+      <p:sp>
+        <p:nvSpPr>
+          <p:cNvPr id="4" name="CaixaDeTexto 3"/>
+          <p:cNvSpPr txBox="1"/>
+          <p:nvPr/>
+        </p:nvSpPr>
+        <p:spPr>
+          <a:xfrm>
+            <a:off x="604912" y="406331"/>
+            <a:ext cx="8904847" cy="5078313"/>
+          </a:xfrm>
+          <a:prstGeom prst="rect">
+            <a:avLst/>
+          </a:prstGeom>
+          <a:noFill/>
+        </p:spPr>
+        <p:txBody>
+          <a:bodyPr wrap="square" rtlCol="0">
+            <a:spAutoFit/>
+          </a:bodyPr>
+          <a:lstStyle/>
+          <a:p>
+            <a:pPr marL="285750" indent="-285750">
+              <a:buFontTx/>
+              <a:buChar char="-"/>
+            </a:pPr>
+            <a:r>
+              <a:rPr lang="pt-BR" dirty="0" smtClean="0"/>
+              <a:t>Cliente busca uma empresa para refrig</a:t>
+            </a:r>
+            <a:r>
+              <a:rPr lang="pt-BR" dirty="0" smtClean="0"/>
+              <a:t>eração de tomate</a:t>
+            </a:r>
+          </a:p>
+          <a:p>
+            <a:pPr marL="285750" indent="-285750">
+              <a:buFontTx/>
+              <a:buChar char="-"/>
+            </a:pPr>
+            <a:r>
+              <a:rPr lang="pt-BR" dirty="0" smtClean="0"/>
+              <a:t>Encontra nossa empresa</a:t>
+            </a:r>
+          </a:p>
+          <a:p>
+            <a:pPr marL="285750" indent="-285750">
+              <a:buFontTx/>
+              <a:buChar char="-"/>
+            </a:pPr>
+            <a:r>
+              <a:rPr lang="pt-BR" dirty="0" smtClean="0"/>
+              <a:t>Entra no site</a:t>
+            </a:r>
+          </a:p>
+          <a:p>
+            <a:pPr marL="285750" indent="-285750">
+              <a:buFontTx/>
+              <a:buChar char="-"/>
+            </a:pPr>
+            <a:r>
+              <a:rPr lang="pt-BR" dirty="0" smtClean="0"/>
+              <a:t>Contata a nossa empresa</a:t>
+            </a:r>
+          </a:p>
+          <a:p>
+            <a:pPr marL="285750" indent="-285750">
+              <a:buFontTx/>
+              <a:buChar char="-"/>
+            </a:pPr>
+            <a:r>
+              <a:rPr lang="pt-BR" dirty="0" smtClean="0"/>
+              <a:t>Faz o cadastro</a:t>
+            </a:r>
+          </a:p>
+          <a:p>
+            <a:pPr marL="285750" indent="-285750">
+              <a:buFontTx/>
+              <a:buChar char="-"/>
+            </a:pPr>
+            <a:r>
+              <a:rPr lang="pt-BR" dirty="0" smtClean="0"/>
+              <a:t>Envia as informações necessárias para prestarmos o serviço</a:t>
+            </a:r>
+          </a:p>
+          <a:p>
+            <a:pPr marL="285750" indent="-285750">
+              <a:buFontTx/>
+              <a:buChar char="-"/>
+            </a:pPr>
+            <a:r>
+              <a:rPr lang="pt-BR" dirty="0" smtClean="0"/>
+              <a:t>Os dados são enviados pel</a:t>
+            </a:r>
+            <a:r>
+              <a:rPr lang="pt-BR" dirty="0" smtClean="0"/>
+              <a:t>o Wi-Fi para a nuvem da Microsoft (</a:t>
+            </a:r>
+            <a:r>
+              <a:rPr lang="pt-BR" dirty="0" err="1" smtClean="0"/>
+              <a:t>Azure</a:t>
+            </a:r>
+            <a:r>
+              <a:rPr lang="pt-BR" dirty="0" smtClean="0"/>
+              <a:t>)</a:t>
+            </a:r>
+          </a:p>
+          <a:p>
+            <a:pPr marL="285750" indent="-285750">
+              <a:buFontTx/>
+              <a:buChar char="-"/>
+            </a:pPr>
+            <a:r>
+              <a:rPr lang="pt-BR" dirty="0" smtClean="0"/>
+              <a:t>Os dados são armazenados no </a:t>
+            </a:r>
+            <a:r>
+              <a:rPr lang="pt-BR" dirty="0" err="1" smtClean="0"/>
+              <a:t>Azure</a:t>
+            </a:r>
+            <a:endParaRPr lang="pt-BR" dirty="0" smtClean="0"/>
+          </a:p>
+          <a:p>
+            <a:pPr marL="285750" indent="-285750">
+              <a:buFontTx/>
+              <a:buChar char="-"/>
+            </a:pPr>
+            <a:r>
+              <a:rPr lang="pt-BR" dirty="0" smtClean="0"/>
+              <a:t>Com os dados, programamos a placa</a:t>
+            </a:r>
+            <a:r>
+              <a:rPr lang="pt-BR" dirty="0"/>
+              <a:t> </a:t>
+            </a:r>
+            <a:r>
+              <a:rPr lang="pt-BR" dirty="0" err="1" smtClean="0"/>
+              <a:t>Arduino</a:t>
+            </a:r>
+            <a:r>
+              <a:rPr lang="pt-BR" dirty="0" smtClean="0"/>
+              <a:t> Uno com sensor DHT11 para captura de temperatura, umidade e GPS para </a:t>
+            </a:r>
+            <a:r>
+              <a:rPr lang="pt-BR" dirty="0" err="1" smtClean="0"/>
+              <a:t>geolocalização</a:t>
+            </a:r>
+            <a:endParaRPr lang="pt-BR" dirty="0" smtClean="0"/>
+          </a:p>
+          <a:p>
+            <a:pPr marL="285750" indent="-285750">
+              <a:buFontTx/>
+              <a:buChar char="-"/>
+            </a:pPr>
+            <a:r>
+              <a:rPr lang="pt-BR" dirty="0" smtClean="0"/>
+              <a:t>Contatamos o cliente para fazer a instalação</a:t>
+            </a:r>
+          </a:p>
+          <a:p>
+            <a:pPr marL="285750" indent="-285750">
+              <a:buFontTx/>
+              <a:buChar char="-"/>
+            </a:pPr>
+            <a:r>
+              <a:rPr lang="pt-BR" dirty="0" smtClean="0"/>
+              <a:t>Vamos até o cliente</a:t>
+            </a:r>
+          </a:p>
+          <a:p>
+            <a:pPr marL="285750" indent="-285750">
+              <a:buFontTx/>
+              <a:buChar char="-"/>
+            </a:pPr>
+            <a:r>
+              <a:rPr lang="pt-BR" dirty="0" smtClean="0"/>
+              <a:t>Fazemos a instalação do sensor</a:t>
+            </a:r>
+          </a:p>
+          <a:p>
+            <a:pPr marL="285750" indent="-285750">
+              <a:buFontTx/>
+              <a:buChar char="-"/>
+            </a:pPr>
+            <a:r>
+              <a:rPr lang="pt-BR" dirty="0" smtClean="0"/>
+              <a:t>Programamos alertas conforme temperatura e umidade informadas</a:t>
+            </a:r>
+          </a:p>
+          <a:p>
+            <a:pPr marL="285750" indent="-285750">
+              <a:buFontTx/>
+              <a:buChar char="-"/>
+            </a:pPr>
+            <a:r>
+              <a:rPr lang="pt-BR" dirty="0" smtClean="0"/>
+              <a:t>Os dados serão conectados ao celular do distribuidor por meio do </a:t>
+            </a:r>
+            <a:r>
+              <a:rPr lang="pt-BR" dirty="0" err="1" smtClean="0"/>
+              <a:t>app</a:t>
+            </a:r>
+            <a:endParaRPr lang="pt-BR" dirty="0" smtClean="0"/>
+          </a:p>
+          <a:p>
+            <a:pPr marL="285750" indent="-285750">
+              <a:buFontTx/>
+              <a:buChar char="-"/>
+            </a:pPr>
+            <a:r>
+              <a:rPr lang="pt-BR" dirty="0" smtClean="0"/>
+              <a:t>Os dados serão enviados por Wi-Fi e serão enviados e armazenados em um banco de dados no </a:t>
+            </a:r>
+            <a:r>
+              <a:rPr lang="pt-BR" dirty="0" err="1" smtClean="0"/>
+              <a:t>Azure</a:t>
+            </a:r>
+            <a:r>
+              <a:rPr lang="pt-BR" dirty="0" smtClean="0"/>
+              <a:t> com o auxílio de uma aplicação Node.JS</a:t>
+            </a:r>
+          </a:p>
+          <a:p>
+            <a:pPr marL="285750" indent="-285750">
+              <a:buFontTx/>
+              <a:buChar char="-"/>
+            </a:pPr>
+            <a:endParaRPr lang="pt-BR" dirty="0" smtClean="0"/>
+          </a:p>
+        </p:txBody>
+      </p:sp>
+    </p:spTree>
+    <p:extLst>
+      <p:ext uri="{BB962C8B-B14F-4D97-AF65-F5344CB8AC3E}">
+        <p14:creationId xmlns:p14="http://schemas.microsoft.com/office/powerpoint/2010/main" val="2663517940"/>
+      </p:ext>
+    </p:extLst>
+  </p:cSld>
+  <p:clrMapOvr>
+    <a:masterClrMapping/>
+  </p:clrMapOvr>
+  <p:timing>
+    <p:tnLst>
+      <p:par>
+        <p:cTn id="1" dur="indefinite" restart="never" nodeType="tmRoot"/>
+      </p:par>
+    </p:tnLst>
+  </p:timing>
+</p:sld>
+</file>
+
+<file path=ppt/slides/slide4.xml><?xml version="1.0" encoding="utf-8"?>
 <p:sld xmlns:a="http://schemas.openxmlformats.org/drawingml/2006/main" xmlns:r="http://schemas.openxmlformats.org/officeDocument/2006/relationships" xmlns:p="http://schemas.openxmlformats.org/presentationml/2006/main">
   <p:cSld>
     <p:bg>

--- a/Arquitetura-de-TI/HLD-LLD.pptx
+++ b/Arquitetura-de-TI/HLD-LLD.pptx
@@ -10,6 +10,7 @@
     <p:sldId id="258" r:id="rId4"/>
     <p:sldId id="259" r:id="rId5"/>
     <p:sldId id="257" r:id="rId6"/>
+    <p:sldId id="260" r:id="rId7"/>
   </p:sldIdLst>
   <p:sldSz cx="12192000" cy="6858000"/>
   <p:notesSz cx="6858000" cy="9144000"/>
@@ -258,7 +259,7 @@
           <a:p>
             <a:fld id="{82869B3E-A76A-4689-B656-33BE798491C8}" type="datetimeFigureOut">
               <a:rPr lang="pt-BR" smtClean="0"/>
-              <a:t>26/09/2019</a:t>
+              <a:t>30/09/2019</a:t>
             </a:fld>
             <a:endParaRPr lang="pt-BR"/>
           </a:p>
@@ -428,7 +429,7 @@
           <a:p>
             <a:fld id="{82869B3E-A76A-4689-B656-33BE798491C8}" type="datetimeFigureOut">
               <a:rPr lang="pt-BR" smtClean="0"/>
-              <a:t>26/09/2019</a:t>
+              <a:t>30/09/2019</a:t>
             </a:fld>
             <a:endParaRPr lang="pt-BR"/>
           </a:p>
@@ -608,7 +609,7 @@
           <a:p>
             <a:fld id="{82869B3E-A76A-4689-B656-33BE798491C8}" type="datetimeFigureOut">
               <a:rPr lang="pt-BR" smtClean="0"/>
-              <a:t>26/09/2019</a:t>
+              <a:t>30/09/2019</a:t>
             </a:fld>
             <a:endParaRPr lang="pt-BR"/>
           </a:p>
@@ -1414,7 +1415,7 @@
           <a:p>
             <a:fld id="{82869B3E-A76A-4689-B656-33BE798491C8}" type="datetimeFigureOut">
               <a:rPr lang="pt-BR" smtClean="0"/>
-              <a:t>26/09/2019</a:t>
+              <a:t>30/09/2019</a:t>
             </a:fld>
             <a:endParaRPr lang="pt-BR"/>
           </a:p>
@@ -1584,7 +1585,7 @@
           <a:p>
             <a:fld id="{82869B3E-A76A-4689-B656-33BE798491C8}" type="datetimeFigureOut">
               <a:rPr lang="pt-BR" smtClean="0"/>
-              <a:t>26/09/2019</a:t>
+              <a:t>30/09/2019</a:t>
             </a:fld>
             <a:endParaRPr lang="pt-BR"/>
           </a:p>
@@ -1831,7 +1832,7 @@
           <a:p>
             <a:fld id="{82869B3E-A76A-4689-B656-33BE798491C8}" type="datetimeFigureOut">
               <a:rPr lang="pt-BR" smtClean="0"/>
-              <a:t>26/09/2019</a:t>
+              <a:t>30/09/2019</a:t>
             </a:fld>
             <a:endParaRPr lang="pt-BR"/>
           </a:p>
@@ -2063,7 +2064,7 @@
           <a:p>
             <a:fld id="{82869B3E-A76A-4689-B656-33BE798491C8}" type="datetimeFigureOut">
               <a:rPr lang="pt-BR" smtClean="0"/>
-              <a:t>26/09/2019</a:t>
+              <a:t>30/09/2019</a:t>
             </a:fld>
             <a:endParaRPr lang="pt-BR"/>
           </a:p>
@@ -2437,7 +2438,7 @@
           <a:p>
             <a:fld id="{82869B3E-A76A-4689-B656-33BE798491C8}" type="datetimeFigureOut">
               <a:rPr lang="pt-BR" smtClean="0"/>
-              <a:t>26/09/2019</a:t>
+              <a:t>30/09/2019</a:t>
             </a:fld>
             <a:endParaRPr lang="pt-BR"/>
           </a:p>
@@ -2560,7 +2561,7 @@
           <a:p>
             <a:fld id="{82869B3E-A76A-4689-B656-33BE798491C8}" type="datetimeFigureOut">
               <a:rPr lang="pt-BR" smtClean="0"/>
-              <a:t>26/09/2019</a:t>
+              <a:t>30/09/2019</a:t>
             </a:fld>
             <a:endParaRPr lang="pt-BR"/>
           </a:p>
@@ -2655,7 +2656,7 @@
           <a:p>
             <a:fld id="{82869B3E-A76A-4689-B656-33BE798491C8}" type="datetimeFigureOut">
               <a:rPr lang="pt-BR" smtClean="0"/>
-              <a:t>26/09/2019</a:t>
+              <a:t>30/09/2019</a:t>
             </a:fld>
             <a:endParaRPr lang="pt-BR"/>
           </a:p>
@@ -2910,7 +2911,7 @@
           <a:p>
             <a:fld id="{82869B3E-A76A-4689-B656-33BE798491C8}" type="datetimeFigureOut">
               <a:rPr lang="pt-BR" smtClean="0"/>
-              <a:t>26/09/2019</a:t>
+              <a:t>30/09/2019</a:t>
             </a:fld>
             <a:endParaRPr lang="pt-BR"/>
           </a:p>
@@ -3080,7 +3081,7 @@
           <a:p>
             <a:fld id="{82869B3E-A76A-4689-B656-33BE798491C8}" type="datetimeFigureOut">
               <a:rPr lang="pt-BR" smtClean="0"/>
-              <a:t>26/09/2019</a:t>
+              <a:t>30/09/2019</a:t>
             </a:fld>
             <a:endParaRPr lang="pt-BR"/>
           </a:p>
@@ -3385,7 +3386,7 @@
           <a:p>
             <a:fld id="{82869B3E-A76A-4689-B656-33BE798491C8}" type="datetimeFigureOut">
               <a:rPr lang="pt-BR" smtClean="0"/>
-              <a:t>26/09/2019</a:t>
+              <a:t>30/09/2019</a:t>
             </a:fld>
             <a:endParaRPr lang="pt-BR"/>
           </a:p>
@@ -3594,7 +3595,7 @@
           <a:p>
             <a:fld id="{82869B3E-A76A-4689-B656-33BE798491C8}" type="datetimeFigureOut">
               <a:rPr lang="pt-BR" smtClean="0"/>
-              <a:t>26/09/2019</a:t>
+              <a:t>30/09/2019</a:t>
             </a:fld>
             <a:endParaRPr lang="pt-BR"/>
           </a:p>
@@ -3908,7 +3909,7 @@
           <a:p>
             <a:fld id="{82869B3E-A76A-4689-B656-33BE798491C8}" type="datetimeFigureOut">
               <a:rPr lang="pt-BR" smtClean="0"/>
-              <a:t>26/09/2019</a:t>
+              <a:t>30/09/2019</a:t>
             </a:fld>
             <a:endParaRPr lang="pt-BR"/>
           </a:p>
@@ -4241,7 +4242,7 @@
           <a:p>
             <a:fld id="{82869B3E-A76A-4689-B656-33BE798491C8}" type="datetimeFigureOut">
               <a:rPr lang="pt-BR" smtClean="0"/>
-              <a:t>26/09/2019</a:t>
+              <a:t>30/09/2019</a:t>
             </a:fld>
             <a:endParaRPr lang="pt-BR"/>
           </a:p>
@@ -4555,7 +4556,7 @@
           <a:p>
             <a:fld id="{82869B3E-A76A-4689-B656-33BE798491C8}" type="datetimeFigureOut">
               <a:rPr lang="pt-BR" smtClean="0"/>
-              <a:t>26/09/2019</a:t>
+              <a:t>30/09/2019</a:t>
             </a:fld>
             <a:endParaRPr lang="pt-BR"/>
           </a:p>
@@ -4948,7 +4949,7 @@
           <a:p>
             <a:fld id="{82869B3E-A76A-4689-B656-33BE798491C8}" type="datetimeFigureOut">
               <a:rPr lang="pt-BR" smtClean="0"/>
-              <a:t>26/09/2019</a:t>
+              <a:t>30/09/2019</a:t>
             </a:fld>
             <a:endParaRPr lang="pt-BR"/>
           </a:p>
@@ -5118,7 +5119,7 @@
           <a:p>
             <a:fld id="{82869B3E-A76A-4689-B656-33BE798491C8}" type="datetimeFigureOut">
               <a:rPr lang="pt-BR" smtClean="0"/>
-              <a:t>26/09/2019</a:t>
+              <a:t>30/09/2019</a:t>
             </a:fld>
             <a:endParaRPr lang="pt-BR"/>
           </a:p>
@@ -5298,7 +5299,7 @@
           <a:p>
             <a:fld id="{82869B3E-A76A-4689-B656-33BE798491C8}" type="datetimeFigureOut">
               <a:rPr lang="pt-BR" smtClean="0"/>
-              <a:t>26/09/2019</a:t>
+              <a:t>30/09/2019</a:t>
             </a:fld>
             <a:endParaRPr lang="pt-BR"/>
           </a:p>
@@ -5549,7 +5550,7 @@
           <a:p>
             <a:fld id="{82869B3E-A76A-4689-B656-33BE798491C8}" type="datetimeFigureOut">
               <a:rPr lang="pt-BR" smtClean="0"/>
-              <a:t>26/09/2019</a:t>
+              <a:t>30/09/2019</a:t>
             </a:fld>
             <a:endParaRPr lang="pt-BR"/>
           </a:p>
@@ -5781,7 +5782,7 @@
           <a:p>
             <a:fld id="{82869B3E-A76A-4689-B656-33BE798491C8}" type="datetimeFigureOut">
               <a:rPr lang="pt-BR" smtClean="0"/>
-              <a:t>26/09/2019</a:t>
+              <a:t>30/09/2019</a:t>
             </a:fld>
             <a:endParaRPr lang="pt-BR"/>
           </a:p>
@@ -6128,7 +6129,7 @@
           <a:p>
             <a:fld id="{82869B3E-A76A-4689-B656-33BE798491C8}" type="datetimeFigureOut">
               <a:rPr lang="pt-BR" smtClean="0"/>
-              <a:t>26/09/2019</a:t>
+              <a:t>30/09/2019</a:t>
             </a:fld>
             <a:endParaRPr lang="pt-BR"/>
           </a:p>
@@ -6246,7 +6247,7 @@
           <a:p>
             <a:fld id="{82869B3E-A76A-4689-B656-33BE798491C8}" type="datetimeFigureOut">
               <a:rPr lang="pt-BR" smtClean="0"/>
-              <a:t>26/09/2019</a:t>
+              <a:t>30/09/2019</a:t>
             </a:fld>
             <a:endParaRPr lang="pt-BR"/>
           </a:p>
@@ -6364,7 +6365,7 @@
           <a:p>
             <a:fld id="{82869B3E-A76A-4689-B656-33BE798491C8}" type="datetimeFigureOut">
               <a:rPr lang="pt-BR" smtClean="0"/>
-              <a:t>26/09/2019</a:t>
+              <a:t>30/09/2019</a:t>
             </a:fld>
             <a:endParaRPr lang="pt-BR"/>
           </a:p>
@@ -6648,7 +6649,7 @@
           <a:p>
             <a:fld id="{82869B3E-A76A-4689-B656-33BE798491C8}" type="datetimeFigureOut">
               <a:rPr lang="pt-BR" smtClean="0"/>
-              <a:t>26/09/2019</a:t>
+              <a:t>30/09/2019</a:t>
             </a:fld>
             <a:endParaRPr lang="pt-BR"/>
           </a:p>
@@ -6912,7 +6913,7 @@
           <a:p>
             <a:fld id="{82869B3E-A76A-4689-B656-33BE798491C8}" type="datetimeFigureOut">
               <a:rPr lang="pt-BR" smtClean="0"/>
-              <a:t>26/09/2019</a:t>
+              <a:t>30/09/2019</a:t>
             </a:fld>
             <a:endParaRPr lang="pt-BR"/>
           </a:p>
@@ -7149,7 +7150,7 @@
           <a:p>
             <a:fld id="{82869B3E-A76A-4689-B656-33BE798491C8}" type="datetimeFigureOut">
               <a:rPr lang="pt-BR" smtClean="0"/>
-              <a:t>26/09/2019</a:t>
+              <a:t>30/09/2019</a:t>
             </a:fld>
             <a:endParaRPr lang="pt-BR"/>
           </a:p>
@@ -8209,7 +8210,7 @@
           <a:p>
             <a:fld id="{82869B3E-A76A-4689-B656-33BE798491C8}" type="datetimeFigureOut">
               <a:rPr lang="pt-BR" smtClean="0"/>
-              <a:t>26/09/2019</a:t>
+              <a:t>30/09/2019</a:t>
             </a:fld>
             <a:endParaRPr lang="pt-BR"/>
           </a:p>
@@ -9573,11 +9574,7 @@
             </a:pPr>
             <a:r>
               <a:rPr lang="pt-BR" dirty="0" smtClean="0"/>
-              <a:t>Cliente busca uma empresa para refrig</a:t>
-            </a:r>
-            <a:r>
-              <a:rPr lang="pt-BR" dirty="0" smtClean="0"/>
-              <a:t>eração de tomate</a:t>
+              <a:t>Cliente busca uma empresa para refrigeração de tomate</a:t>
             </a:r>
           </a:p>
           <a:p>
@@ -9637,11 +9634,7 @@
             </a:pPr>
             <a:r>
               <a:rPr lang="pt-BR" dirty="0" smtClean="0"/>
-              <a:t>Os dados são enviados pel</a:t>
-            </a:r>
-            <a:r>
-              <a:rPr lang="pt-BR" dirty="0" smtClean="0"/>
-              <a:t>o Wi-Fi para a nuvem da Microsoft (</a:t>
+              <a:t>Os dados são enviados pelo Wi-Fi para a nuvem da Microsoft (</a:t>
             </a:r>
             <a:r>
               <a:rPr lang="pt-BR" dirty="0" err="1" smtClean="0"/>
@@ -10315,6 +10308,461 @@
     <p:extLst>
       <p:ext uri="{BB962C8B-B14F-4D97-AF65-F5344CB8AC3E}">
         <p14:creationId xmlns:p14="http://schemas.microsoft.com/office/powerpoint/2010/main" val="4019451473"/>
+      </p:ext>
+    </p:extLst>
+  </p:cSld>
+  <p:clrMapOvr>
+    <a:masterClrMapping/>
+  </p:clrMapOvr>
+  <p:timing>
+    <p:tnLst>
+      <p:par>
+        <p:cTn id="1" dur="indefinite" restart="never" nodeType="tmRoot"/>
+      </p:par>
+    </p:tnLst>
+  </p:timing>
+</p:sld>
+</file>
+
+<file path=ppt/slides/slide5.xml><?xml version="1.0" encoding="utf-8"?>
+<p:sld xmlns:a="http://schemas.openxmlformats.org/drawingml/2006/main" xmlns:r="http://schemas.openxmlformats.org/officeDocument/2006/relationships" xmlns:p="http://schemas.openxmlformats.org/presentationml/2006/main">
+  <p:cSld>
+    <p:bg>
+      <p:bgPr>
+        <a:solidFill>
+          <a:schemeClr val="bg1"/>
+        </a:solidFill>
+        <a:effectLst/>
+      </p:bgPr>
+    </p:bg>
+    <p:spTree>
+      <p:nvGrpSpPr>
+        <p:cNvPr id="1" name=""/>
+        <p:cNvGrpSpPr/>
+        <p:nvPr/>
+      </p:nvGrpSpPr>
+      <p:grpSpPr>
+        <a:xfrm>
+          <a:off x="0" y="0"/>
+          <a:ext cx="0" cy="0"/>
+          <a:chOff x="0" y="0"/>
+          <a:chExt cx="0" cy="0"/>
+        </a:xfrm>
+      </p:grpSpPr>
+      <p:pic>
+        <p:nvPicPr>
+          <p:cNvPr id="26" name="Imagem 25"/>
+          <p:cNvPicPr>
+            <a:picLocks noChangeAspect="1"/>
+          </p:cNvPicPr>
+          <p:nvPr/>
+        </p:nvPicPr>
+        <p:blipFill>
+          <a:blip r:embed="rId2" cstate="print">
+            <a:extLst>
+              <a:ext uri="{28A0092B-C50C-407E-A947-70E740481C1C}">
+                <a14:useLocalDpi xmlns:a14="http://schemas.microsoft.com/office/drawing/2010/main" val="0"/>
+              </a:ext>
+            </a:extLst>
+          </a:blip>
+          <a:stretch>
+            <a:fillRect/>
+          </a:stretch>
+        </p:blipFill>
+        <p:spPr>
+          <a:xfrm>
+            <a:off x="850302" y="5576455"/>
+            <a:ext cx="1281545" cy="1281545"/>
+          </a:xfrm>
+          <a:prstGeom prst="rect">
+            <a:avLst/>
+          </a:prstGeom>
+        </p:spPr>
+      </p:pic>
+      <p:sp>
+        <p:nvSpPr>
+          <p:cNvPr id="17" name="Seta para Cima 16"/>
+          <p:cNvSpPr/>
+          <p:nvPr/>
+        </p:nvSpPr>
+        <p:spPr>
+          <a:xfrm>
+            <a:off x="1295399" y="4942872"/>
+            <a:ext cx="391352" cy="790088"/>
+          </a:xfrm>
+          <a:prstGeom prst="upArrow">
+            <a:avLst/>
+          </a:prstGeom>
+        </p:spPr>
+        <p:style>
+          <a:lnRef idx="2">
+            <a:schemeClr val="accent1">
+              <a:shade val="50000"/>
+            </a:schemeClr>
+          </a:lnRef>
+          <a:fillRef idx="1">
+            <a:schemeClr val="accent1"/>
+          </a:fillRef>
+          <a:effectRef idx="0">
+            <a:schemeClr val="accent1"/>
+          </a:effectRef>
+          <a:fontRef idx="minor">
+            <a:schemeClr val="lt1"/>
+          </a:fontRef>
+        </p:style>
+        <p:txBody>
+          <a:bodyPr rtlCol="0" anchor="ctr"/>
+          <a:lstStyle/>
+          <a:p>
+            <a:pPr algn="ctr"/>
+            <a:endParaRPr lang="pt-BR"/>
+          </a:p>
+        </p:txBody>
+      </p:sp>
+      <p:pic>
+        <p:nvPicPr>
+          <p:cNvPr id="2" name="Imagem 1"/>
+          <p:cNvPicPr>
+            <a:picLocks noChangeAspect="1"/>
+          </p:cNvPicPr>
+          <p:nvPr/>
+        </p:nvPicPr>
+        <p:blipFill>
+          <a:blip r:embed="rId3" cstate="print">
+            <a:extLst>
+              <a:ext uri="{28A0092B-C50C-407E-A947-70E740481C1C}">
+                <a14:useLocalDpi xmlns:a14="http://schemas.microsoft.com/office/drawing/2010/main" val="0"/>
+              </a:ext>
+            </a:extLst>
+          </a:blip>
+          <a:stretch>
+            <a:fillRect/>
+          </a:stretch>
+        </p:blipFill>
+        <p:spPr>
+          <a:xfrm>
+            <a:off x="482600" y="3721100"/>
+            <a:ext cx="1311507" cy="1124149"/>
+          </a:xfrm>
+          <a:prstGeom prst="rect">
+            <a:avLst/>
+          </a:prstGeom>
+        </p:spPr>
+      </p:pic>
+      <p:pic>
+        <p:nvPicPr>
+          <p:cNvPr id="3" name="Imagem 2"/>
+          <p:cNvPicPr>
+            <a:picLocks noChangeAspect="1"/>
+          </p:cNvPicPr>
+          <p:nvPr/>
+        </p:nvPicPr>
+        <p:blipFill>
+          <a:blip r:embed="rId4" cstate="print">
+            <a:extLst>
+              <a:ext uri="{28A0092B-C50C-407E-A947-70E740481C1C}">
+                <a14:useLocalDpi xmlns:a14="http://schemas.microsoft.com/office/drawing/2010/main" val="0"/>
+              </a:ext>
+            </a:extLst>
+          </a:blip>
+          <a:stretch>
+            <a:fillRect/>
+          </a:stretch>
+        </p:blipFill>
+        <p:spPr>
+          <a:xfrm rot="10800000">
+            <a:off x="2581504" y="3517900"/>
+            <a:ext cx="2153391" cy="1202810"/>
+          </a:xfrm>
+          <a:prstGeom prst="rect">
+            <a:avLst/>
+          </a:prstGeom>
+        </p:spPr>
+      </p:pic>
+      <p:sp>
+        <p:nvSpPr>
+          <p:cNvPr id="22" name="Seta para Cima 21"/>
+          <p:cNvSpPr/>
+          <p:nvPr/>
+        </p:nvSpPr>
+        <p:spPr>
+          <a:xfrm rot="5400000">
+            <a:off x="2035757" y="3824158"/>
+            <a:ext cx="304098" cy="613934"/>
+          </a:xfrm>
+          <a:prstGeom prst="upArrow">
+            <a:avLst/>
+          </a:prstGeom>
+        </p:spPr>
+        <p:style>
+          <a:lnRef idx="2">
+            <a:schemeClr val="accent1">
+              <a:shade val="50000"/>
+            </a:schemeClr>
+          </a:lnRef>
+          <a:fillRef idx="1">
+            <a:schemeClr val="accent1"/>
+          </a:fillRef>
+          <a:effectRef idx="0">
+            <a:schemeClr val="accent1"/>
+          </a:effectRef>
+          <a:fontRef idx="minor">
+            <a:schemeClr val="lt1"/>
+          </a:fontRef>
+        </p:style>
+        <p:txBody>
+          <a:bodyPr rtlCol="0" anchor="ctr"/>
+          <a:lstStyle/>
+          <a:p>
+            <a:pPr algn="ctr"/>
+            <a:endParaRPr lang="pt-BR"/>
+          </a:p>
+        </p:txBody>
+      </p:sp>
+      <p:pic>
+        <p:nvPicPr>
+          <p:cNvPr id="5" name="Imagem 4"/>
+          <p:cNvPicPr>
+            <a:picLocks noChangeAspect="1"/>
+          </p:cNvPicPr>
+          <p:nvPr/>
+        </p:nvPicPr>
+        <p:blipFill>
+          <a:blip r:embed="rId5" cstate="print">
+            <a:duotone>
+              <a:schemeClr val="accent2">
+                <a:shade val="45000"/>
+                <a:satMod val="135000"/>
+              </a:schemeClr>
+              <a:prstClr val="white"/>
+            </a:duotone>
+            <a:extLst>
+              <a:ext uri="{28A0092B-C50C-407E-A947-70E740481C1C}">
+                <a14:useLocalDpi xmlns:a14="http://schemas.microsoft.com/office/drawing/2010/main" val="0"/>
+              </a:ext>
+            </a:extLst>
+          </a:blip>
+          <a:stretch>
+            <a:fillRect/>
+          </a:stretch>
+        </p:blipFill>
+        <p:spPr>
+          <a:xfrm>
+            <a:off x="2924917" y="5507182"/>
+            <a:ext cx="1466563" cy="1158286"/>
+          </a:xfrm>
+          <a:prstGeom prst="rect">
+            <a:avLst/>
+          </a:prstGeom>
+        </p:spPr>
+      </p:pic>
+      <p:cxnSp>
+        <p:nvCxnSpPr>
+          <p:cNvPr id="42" name="Conector Angulado 41"/>
+          <p:cNvCxnSpPr>
+            <a:stCxn id="5" idx="3"/>
+          </p:cNvCxnSpPr>
+          <p:nvPr/>
+        </p:nvCxnSpPr>
+        <p:spPr>
+          <a:xfrm flipV="1">
+            <a:off x="4391480" y="4720710"/>
+            <a:ext cx="312071" cy="1365615"/>
+          </a:xfrm>
+          <a:prstGeom prst="bentConnector2">
+            <a:avLst/>
+          </a:prstGeom>
+          <a:ln>
+            <a:headEnd type="triangle"/>
+            <a:tailEnd type="triangle"/>
+          </a:ln>
+        </p:spPr>
+        <p:style>
+          <a:lnRef idx="1">
+            <a:schemeClr val="dk1"/>
+          </a:lnRef>
+          <a:fillRef idx="0">
+            <a:schemeClr val="dk1"/>
+          </a:fillRef>
+          <a:effectRef idx="0">
+            <a:schemeClr val="dk1"/>
+          </a:effectRef>
+          <a:fontRef idx="minor">
+            <a:schemeClr val="tx1"/>
+          </a:fontRef>
+        </p:style>
+      </p:cxnSp>
+      <p:sp>
+        <p:nvSpPr>
+          <p:cNvPr id="43" name="Retângulo 42"/>
+          <p:cNvSpPr/>
+          <p:nvPr/>
+        </p:nvSpPr>
+        <p:spPr>
+          <a:xfrm>
+            <a:off x="482600" y="2902636"/>
+            <a:ext cx="4762500" cy="3866463"/>
+          </a:xfrm>
+          <a:prstGeom prst="rect">
+            <a:avLst/>
+          </a:prstGeom>
+          <a:noFill/>
+          <a:ln/>
+        </p:spPr>
+        <p:style>
+          <a:lnRef idx="2">
+            <a:schemeClr val="accent1"/>
+          </a:lnRef>
+          <a:fillRef idx="1">
+            <a:schemeClr val="lt1"/>
+          </a:fillRef>
+          <a:effectRef idx="0">
+            <a:schemeClr val="accent1"/>
+          </a:effectRef>
+          <a:fontRef idx="minor">
+            <a:schemeClr val="dk1"/>
+          </a:fontRef>
+        </p:style>
+        <p:txBody>
+          <a:bodyPr rtlCol="0" anchor="ctr"/>
+          <a:lstStyle/>
+          <a:p>
+            <a:pPr algn="ctr"/>
+            <a:endParaRPr lang="pt-BR"/>
+          </a:p>
+        </p:txBody>
+      </p:sp>
+      <p:pic>
+        <p:nvPicPr>
+          <p:cNvPr id="9" name="Imagem 8"/>
+          <p:cNvPicPr>
+            <a:picLocks noChangeAspect="1"/>
+          </p:cNvPicPr>
+          <p:nvPr/>
+        </p:nvPicPr>
+        <p:blipFill>
+          <a:blip r:embed="rId6" cstate="print">
+            <a:duotone>
+              <a:schemeClr val="accent2">
+                <a:shade val="45000"/>
+                <a:satMod val="135000"/>
+              </a:schemeClr>
+              <a:prstClr val="white"/>
+            </a:duotone>
+            <a:extLst>
+              <a:ext uri="{28A0092B-C50C-407E-A947-70E740481C1C}">
+                <a14:useLocalDpi xmlns:a14="http://schemas.microsoft.com/office/drawing/2010/main" val="0"/>
+              </a:ext>
+            </a:extLst>
+          </a:blip>
+          <a:stretch>
+            <a:fillRect/>
+          </a:stretch>
+        </p:blipFill>
+        <p:spPr>
+          <a:xfrm rot="12123135">
+            <a:off x="4391486" y="5195117"/>
+            <a:ext cx="624130" cy="624130"/>
+          </a:xfrm>
+          <a:prstGeom prst="rect">
+            <a:avLst/>
+          </a:prstGeom>
+        </p:spPr>
+      </p:pic>
+      <p:pic>
+        <p:nvPicPr>
+          <p:cNvPr id="49" name="Imagem 48"/>
+          <p:cNvPicPr>
+            <a:picLocks noChangeAspect="1"/>
+          </p:cNvPicPr>
+          <p:nvPr/>
+        </p:nvPicPr>
+        <p:blipFill>
+          <a:blip r:embed="rId7" cstate="print">
+            <a:extLst>
+              <a:ext uri="{28A0092B-C50C-407E-A947-70E740481C1C}">
+                <a14:useLocalDpi xmlns:a14="http://schemas.microsoft.com/office/drawing/2010/main" val="0"/>
+              </a:ext>
+            </a:extLst>
+          </a:blip>
+          <a:stretch>
+            <a:fillRect/>
+          </a:stretch>
+        </p:blipFill>
+        <p:spPr>
+          <a:xfrm rot="17665739" flipH="1">
+            <a:off x="4589754" y="5396258"/>
+            <a:ext cx="221849" cy="221849"/>
+          </a:xfrm>
+          <a:prstGeom prst="rect">
+            <a:avLst/>
+          </a:prstGeom>
+        </p:spPr>
+      </p:pic>
+      <p:pic>
+        <p:nvPicPr>
+          <p:cNvPr id="53" name="Imagem 52"/>
+          <p:cNvPicPr>
+            <a:picLocks noChangeAspect="1"/>
+          </p:cNvPicPr>
+          <p:nvPr/>
+        </p:nvPicPr>
+        <p:blipFill>
+          <a:blip r:embed="rId8" cstate="print">
+            <a:extLst>
+              <a:ext uri="{28A0092B-C50C-407E-A947-70E740481C1C}">
+                <a14:useLocalDpi xmlns:a14="http://schemas.microsoft.com/office/drawing/2010/main" val="0"/>
+              </a:ext>
+            </a:extLst>
+          </a:blip>
+          <a:stretch>
+            <a:fillRect/>
+          </a:stretch>
+        </p:blipFill>
+        <p:spPr>
+          <a:xfrm>
+            <a:off x="3194271" y="5625464"/>
+            <a:ext cx="351484" cy="214991"/>
+          </a:xfrm>
+          <a:prstGeom prst="rect">
+            <a:avLst/>
+          </a:prstGeom>
+        </p:spPr>
+      </p:pic>
+      <p:pic>
+        <p:nvPicPr>
+          <p:cNvPr id="54" name="Imagem 53"/>
+          <p:cNvPicPr>
+            <a:picLocks noChangeAspect="1"/>
+          </p:cNvPicPr>
+          <p:nvPr/>
+        </p:nvPicPr>
+        <p:blipFill>
+          <a:blip r:embed="rId9" cstate="print">
+            <a:extLst>
+              <a:ext uri="{28A0092B-C50C-407E-A947-70E740481C1C}">
+                <a14:useLocalDpi xmlns:a14="http://schemas.microsoft.com/office/drawing/2010/main" val="0"/>
+              </a:ext>
+            </a:extLst>
+          </a:blip>
+          <a:stretch>
+            <a:fillRect/>
+          </a:stretch>
+        </p:blipFill>
+        <p:spPr>
+          <a:xfrm flipV="1">
+            <a:off x="3737795" y="5732960"/>
+            <a:ext cx="272451" cy="272451"/>
+          </a:xfrm>
+          <a:prstGeom prst="rect">
+            <a:avLst/>
+          </a:prstGeom>
+        </p:spPr>
+      </p:pic>
+    </p:spTree>
+    <p:extLst>
+      <p:ext uri="{BB962C8B-B14F-4D97-AF65-F5344CB8AC3E}">
+        <p14:creationId xmlns:p14="http://schemas.microsoft.com/office/powerpoint/2010/main" val="1397999605"/>
       </p:ext>
     </p:extLst>
   </p:cSld>
